--- a/Networked System and Applications/week19/EENGM0009-3-07-IoT-6LoWPAN Header Compression(1).pptx
+++ b/Networked System and Applications/week19/EENGM0009-3-07-IoT-6LoWPAN Header Compression(1).pptx
@@ -789,14 +789,14 @@
           </a:ln>
           <a:extLst>
             <a:ext uri="{909E8E84-426E-40dd-AFC4-6F175D3DCCD1}">
-              <a14:hiddenFill xmlns:a14="http://schemas.microsoft.com/office/drawing/2010/main" xmlns="">
+              <a14:hiddenFill xmlns="" xmlns:a14="http://schemas.microsoft.com/office/drawing/2010/main">
                 <a:solidFill>
                   <a:srgbClr val="FFFFFF"/>
                 </a:solidFill>
               </a14:hiddenFill>
             </a:ext>
             <a:ext uri="{91240B29-F687-4f45-9708-019B960494DF}">
-              <a14:hiddenLine xmlns:a14="http://schemas.microsoft.com/office/drawing/2010/main" xmlns="" w="12700">
+              <a14:hiddenLine xmlns="" xmlns:a14="http://schemas.microsoft.com/office/drawing/2010/main" w="12700">
                 <a:solidFill>
                   <a:srgbClr val="000000"/>
                 </a:solidFill>
@@ -937,14 +937,14 @@
           </a:ln>
           <a:extLst>
             <a:ext uri="{909E8E84-426E-40dd-AFC4-6F175D3DCCD1}">
-              <a14:hiddenFill xmlns:a14="http://schemas.microsoft.com/office/drawing/2010/main" xmlns="">
+              <a14:hiddenFill xmlns="" xmlns:a14="http://schemas.microsoft.com/office/drawing/2010/main">
                 <a:solidFill>
                   <a:srgbClr val="FFFFFF"/>
                 </a:solidFill>
               </a14:hiddenFill>
             </a:ext>
             <a:ext uri="{91240B29-F687-4f45-9708-019B960494DF}">
-              <a14:hiddenLine xmlns:a14="http://schemas.microsoft.com/office/drawing/2010/main" xmlns="" w="12700">
+              <a14:hiddenLine xmlns="" xmlns:a14="http://schemas.microsoft.com/office/drawing/2010/main" w="12700">
                 <a:solidFill>
                   <a:srgbClr val="000000"/>
                 </a:solidFill>
@@ -1316,7 +1316,7 @@
           </a:ln>
           <a:extLst>
             <a:ext uri="{909E8E84-426E-40dd-AFC4-6F175D3DCCD1}">
-              <a14:hiddenFill xmlns:a14="http://schemas.microsoft.com/office/drawing/2010/main" xmlns="">
+              <a14:hiddenFill xmlns="" xmlns:a14="http://schemas.microsoft.com/office/drawing/2010/main">
                 <a:solidFill>
                   <a:srgbClr val="FFFFFF"/>
                 </a:solidFill>
@@ -1505,14 +1505,14 @@
           <a:ln w="9525"/>
           <a:extLst>
             <a:ext uri="{909E8E84-426E-40dd-AFC4-6F175D3DCCD1}">
-              <a14:hiddenFill xmlns:a14="http://schemas.microsoft.com/office/drawing/2010/main" xmlns="">
+              <a14:hiddenFill xmlns="" xmlns:a14="http://schemas.microsoft.com/office/drawing/2010/main">
                 <a:solidFill>
                   <a:srgbClr val="FFFFFF"/>
                 </a:solidFill>
               </a14:hiddenFill>
             </a:ext>
             <a:ext uri="{91240B29-F687-4f45-9708-019B960494DF}">
-              <a14:hiddenLine xmlns:a14="http://schemas.microsoft.com/office/drawing/2010/main" xmlns="" w="9525">
+              <a14:hiddenLine xmlns="" xmlns:a14="http://schemas.microsoft.com/office/drawing/2010/main" w="9525">
                 <a:solidFill>
                   <a:srgbClr val="000000"/>
                 </a:solidFill>
@@ -4848,7 +4848,7 @@
           <a:noFill/>
           <a:extLst>
             <a:ext uri="{909E8E84-426E-40dd-AFC4-6F175D3DCCD1}">
-              <a14:hiddenFill xmlns:a14="http://schemas.microsoft.com/office/drawing/2010/main" xmlns="">
+              <a14:hiddenFill xmlns="" xmlns:a14="http://schemas.microsoft.com/office/drawing/2010/main">
                 <a:solidFill>
                   <a:srgbClr val="FFFFFF"/>
                 </a:solidFill>
@@ -6408,13 +6408,8 @@
           <a:p>
             <a:r>
               <a:rPr lang="en-US" dirty="0"/>
-              <a:t>IPHC </a:t>
-            </a:r>
-            <a:r>
-              <a:rPr lang="en-US"/>
-              <a:t>Encoding (So far)</a:t>
-            </a:r>
-            <a:endParaRPr lang="en-US" dirty="0"/>
+              <a:t>IPHC Encoding (So far)</a:t>
+            </a:r>
           </a:p>
         </p:txBody>
       </p:sp>
@@ -7508,7 +7503,7 @@
             <a:effectLst/>
             <a:extLst>
               <a:ext uri="{AF507438-7753-43e0-B8FC-AC1667EBCBE1}">
-                <a14:hiddenEffects xmlns:a14="http://schemas.microsoft.com/office/drawing/2010/main" xmlns="">
+                <a14:hiddenEffects xmlns="" xmlns:a14="http://schemas.microsoft.com/office/drawing/2010/main">
                   <a:effectLst>
                     <a:outerShdw blurRad="63500" dist="38099" dir="2700000" algn="ctr" rotWithShape="0">
                       <a:schemeClr val="bg2">
@@ -7569,7 +7564,7 @@
             <a:effectLst/>
             <a:extLst>
               <a:ext uri="{AF507438-7753-43e0-B8FC-AC1667EBCBE1}">
-                <a14:hiddenEffects xmlns:a14="http://schemas.microsoft.com/office/drawing/2010/main" xmlns="">
+                <a14:hiddenEffects xmlns="" xmlns:a14="http://schemas.microsoft.com/office/drawing/2010/main">
                   <a:effectLst>
                     <a:outerShdw blurRad="63500" dist="38099" dir="2700000" algn="ctr" rotWithShape="0">
                       <a:schemeClr val="bg2">
@@ -7645,7 +7640,7 @@
             <a:effectLst/>
             <a:extLst>
               <a:ext uri="{AF507438-7753-43e0-B8FC-AC1667EBCBE1}">
-                <a14:hiddenEffects xmlns:a14="http://schemas.microsoft.com/office/drawing/2010/main" xmlns="">
+                <a14:hiddenEffects xmlns="" xmlns:a14="http://schemas.microsoft.com/office/drawing/2010/main">
                   <a:effectLst>
                     <a:outerShdw blurRad="63500" dist="38099" dir="2700000" algn="ctr" rotWithShape="0">
                       <a:schemeClr val="bg2">
@@ -7715,7 +7710,7 @@
             <a:effectLst/>
             <a:extLst>
               <a:ext uri="{AF507438-7753-43e0-B8FC-AC1667EBCBE1}">
-                <a14:hiddenEffects xmlns:a14="http://schemas.microsoft.com/office/drawing/2010/main" xmlns="">
+                <a14:hiddenEffects xmlns="" xmlns:a14="http://schemas.microsoft.com/office/drawing/2010/main">
                   <a:effectLst>
                     <a:outerShdw blurRad="63500" dist="38099" dir="2700000" algn="ctr" rotWithShape="0">
                       <a:schemeClr val="bg2">
@@ -8551,7 +8546,7 @@
         </p:nvSpPr>
         <p:spPr>
           <a:xfrm>
-            <a:off x="434050" y="1164786"/>
+            <a:off x="449816" y="1164786"/>
             <a:ext cx="8252750" cy="5047536"/>
           </a:xfrm>
           <a:prstGeom prst="rect">
